--- a/PPT/DCDIU 25SUB4508 LSP CAPSTONE (1).pptx
+++ b/PPT/DCDIU 25SUB4508 LSP CAPSTONE (1).pptx
@@ -5,7 +5,7 @@
     <p:sldMasterId id="2147483648" r:id="rId1"/>
   </p:sldMasterIdLst>
   <p:notesMasterIdLst>
-    <p:notesMasterId r:id="rId28"/>
+    <p:notesMasterId r:id="rId29"/>
   </p:notesMasterIdLst>
   <p:sldIdLst>
     <p:sldId id="260" r:id="rId2"/>
@@ -33,7 +33,8 @@
     <p:sldId id="4433" r:id="rId24"/>
     <p:sldId id="4434" r:id="rId25"/>
     <p:sldId id="4435" r:id="rId26"/>
-    <p:sldId id="4442" r:id="rId27"/>
+    <p:sldId id="4450" r:id="rId27"/>
+    <p:sldId id="4442" r:id="rId28"/>
   </p:sldIdLst>
   <p:sldSz cx="12192000" cy="6858000"/>
   <p:notesSz cx="6858000" cy="9144000"/>
@@ -11941,10 +11942,10 @@
       </p:sp>
       <p:pic>
         <p:nvPicPr>
-          <p:cNvPr id="6" name="Picture 5">
+          <p:cNvPr id="9" name="Picture 8">
             <a:extLst>
               <a:ext uri="{FF2B5EF4-FFF2-40B4-BE49-F238E27FC236}">
-                <a16:creationId xmlns:a16="http://schemas.microsoft.com/office/drawing/2014/main" id="{9716E235-6A62-E4E3-42B5-BF4556E2D069}"/>
+                <a16:creationId xmlns:a16="http://schemas.microsoft.com/office/drawing/2014/main" id="{89219667-D016-1A8F-F368-E552848D4B3F}"/>
               </a:ext>
             </a:extLst>
           </p:cNvPr>
@@ -11967,8 +11968,8 @@
         </p:blipFill>
         <p:spPr>
           <a:xfrm>
-            <a:off x="2045109" y="1792777"/>
-            <a:ext cx="8101781" cy="4440699"/>
+            <a:off x="932729" y="2185813"/>
+            <a:ext cx="10326541" cy="3036181"/>
           </a:xfrm>
           <a:prstGeom prst="rect">
             <a:avLst/>
@@ -12243,10 +12244,10 @@
       </p:sp>
       <p:pic>
         <p:nvPicPr>
-          <p:cNvPr id="6" name="Picture 5">
+          <p:cNvPr id="7" name="Picture 6">
             <a:extLst>
               <a:ext uri="{FF2B5EF4-FFF2-40B4-BE49-F238E27FC236}">
-                <a16:creationId xmlns:a16="http://schemas.microsoft.com/office/drawing/2014/main" id="{A558F9B4-F5F8-88C1-A7A5-8D8C9C37F830}"/>
+                <a16:creationId xmlns:a16="http://schemas.microsoft.com/office/drawing/2014/main" id="{901CD279-7394-D6DA-9FA6-6A093A39E642}"/>
               </a:ext>
             </a:extLst>
           </p:cNvPr>
@@ -12263,13 +12264,14 @@
               </a:ext>
             </a:extLst>
           </a:blip>
-          <a:srcRect/>
-          <a:stretch/>
+          <a:stretch>
+            <a:fillRect/>
+          </a:stretch>
         </p:blipFill>
         <p:spPr>
           <a:xfrm>
-            <a:off x="2045109" y="1840894"/>
-            <a:ext cx="8101781" cy="4435608"/>
+            <a:off x="1491343" y="1773086"/>
+            <a:ext cx="8980714" cy="4432973"/>
           </a:xfrm>
           <a:prstGeom prst="rect">
             <a:avLst/>
@@ -12544,10 +12546,10 @@
       </p:sp>
       <p:pic>
         <p:nvPicPr>
-          <p:cNvPr id="6" name="Picture 5">
+          <p:cNvPr id="7" name="Picture 6">
             <a:extLst>
               <a:ext uri="{FF2B5EF4-FFF2-40B4-BE49-F238E27FC236}">
-                <a16:creationId xmlns:a16="http://schemas.microsoft.com/office/drawing/2014/main" id="{8F3E1677-A220-B5AE-9F37-F1074EB006B9}"/>
+                <a16:creationId xmlns:a16="http://schemas.microsoft.com/office/drawing/2014/main" id="{C4861FF7-B575-0185-19D8-BD4805CD1D98}"/>
               </a:ext>
             </a:extLst>
           </p:cNvPr>
@@ -12564,13 +12566,14 @@
               </a:ext>
             </a:extLst>
           </a:blip>
-          <a:srcRect/>
-          <a:stretch/>
+          <a:stretch>
+            <a:fillRect/>
+          </a:stretch>
         </p:blipFill>
         <p:spPr>
           <a:xfrm>
-            <a:off x="2045109" y="1804023"/>
-            <a:ext cx="8101781" cy="4472479"/>
+            <a:off x="828628" y="2198361"/>
+            <a:ext cx="10303694" cy="3629532"/>
           </a:xfrm>
           <a:prstGeom prst="rect">
             <a:avLst/>
@@ -12845,10 +12848,10 @@
       </p:sp>
       <p:pic>
         <p:nvPicPr>
-          <p:cNvPr id="6" name="Picture 5">
+          <p:cNvPr id="7" name="Picture 6">
             <a:extLst>
               <a:ext uri="{FF2B5EF4-FFF2-40B4-BE49-F238E27FC236}">
-                <a16:creationId xmlns:a16="http://schemas.microsoft.com/office/drawing/2014/main" id="{72A87BD5-FB28-94D3-4834-FAEA29527FF4}"/>
+                <a16:creationId xmlns:a16="http://schemas.microsoft.com/office/drawing/2014/main" id="{99A1BEDD-EF37-A6B5-0728-C959F516FAE7}"/>
               </a:ext>
             </a:extLst>
           </p:cNvPr>
@@ -12865,13 +12868,14 @@
               </a:ext>
             </a:extLst>
           </a:blip>
-          <a:srcRect/>
-          <a:stretch/>
+          <a:stretch>
+            <a:fillRect/>
+          </a:stretch>
         </p:blipFill>
         <p:spPr>
           <a:xfrm>
-            <a:off x="2045109" y="1749752"/>
-            <a:ext cx="8101781" cy="4526750"/>
+            <a:off x="913051" y="2009083"/>
+            <a:ext cx="10417629" cy="4008087"/>
           </a:xfrm>
           <a:prstGeom prst="rect">
             <a:avLst/>
@@ -12892,6 +12896,308 @@
 </file>
 
 <file path=ppt/slides/slide26.xml><?xml version="1.0" encoding="utf-8"?>
+<p:sld xmlns:a="http://schemas.openxmlformats.org/drawingml/2006/main" xmlns:r="http://schemas.openxmlformats.org/officeDocument/2006/relationships" xmlns:p="http://schemas.openxmlformats.org/presentationml/2006/main">
+  <p:cSld>
+    <p:spTree>
+      <p:nvGrpSpPr>
+        <p:cNvPr id="1" name="">
+          <a:extLst>
+            <a:ext uri="{FF2B5EF4-FFF2-40B4-BE49-F238E27FC236}">
+              <a16:creationId xmlns:a16="http://schemas.microsoft.com/office/drawing/2014/main" id="{5EA5F260-452C-9F1B-CC16-00181DFBD274}"/>
+            </a:ext>
+          </a:extLst>
+        </p:cNvPr>
+        <p:cNvGrpSpPr/>
+        <p:nvPr/>
+      </p:nvGrpSpPr>
+      <p:grpSpPr>
+        <a:xfrm>
+          <a:off x="0" y="0"/>
+          <a:ext cx="0" cy="0"/>
+          <a:chOff x="0" y="0"/>
+          <a:chExt cx="0" cy="0"/>
+        </a:xfrm>
+      </p:grpSpPr>
+      <p:pic>
+        <p:nvPicPr>
+          <p:cNvPr id="2" name="Picture 1">
+            <a:extLst>
+              <a:ext uri="{FF2B5EF4-FFF2-40B4-BE49-F238E27FC236}">
+                <a16:creationId xmlns:a16="http://schemas.microsoft.com/office/drawing/2014/main" id="{E36EF14D-63EA-FCD1-48CA-18F7F0F48004}"/>
+              </a:ext>
+            </a:extLst>
+          </p:cNvPr>
+          <p:cNvPicPr>
+            <a:picLocks noChangeAspect="1"/>
+          </p:cNvPicPr>
+          <p:nvPr/>
+        </p:nvPicPr>
+        <p:blipFill>
+          <a:blip r:embed="rId2"/>
+          <a:stretch>
+            <a:fillRect/>
+          </a:stretch>
+        </p:blipFill>
+        <p:spPr>
+          <a:xfrm>
+            <a:off x="266819" y="6276502"/>
+            <a:ext cx="646232" cy="420660"/>
+          </a:xfrm>
+          <a:prstGeom prst="rect">
+            <a:avLst/>
+          </a:prstGeom>
+        </p:spPr>
+      </p:pic>
+      <p:sp>
+        <p:nvSpPr>
+          <p:cNvPr id="3" name="TextBox 5">
+            <a:extLst>
+              <a:ext uri="{FF2B5EF4-FFF2-40B4-BE49-F238E27FC236}">
+                <a16:creationId xmlns:a16="http://schemas.microsoft.com/office/drawing/2014/main" id="{8D149349-06C8-3107-42AA-670854702815}"/>
+              </a:ext>
+            </a:extLst>
+          </p:cNvPr>
+          <p:cNvSpPr txBox="1"/>
+          <p:nvPr/>
+        </p:nvSpPr>
+        <p:spPr>
+          <a:xfrm>
+            <a:off x="5665778" y="6366499"/>
+            <a:ext cx="6259403" cy="240665"/>
+          </a:xfrm>
+          <a:prstGeom prst="rect">
+            <a:avLst/>
+          </a:prstGeom>
+        </p:spPr>
+        <p:txBody>
+          <a:bodyPr lIns="0" tIns="0" rIns="0" bIns="0" rtlCol="0" anchor="t">
+            <a:spAutoFit/>
+          </a:bodyPr>
+          <a:lstStyle/>
+          <a:p>
+            <a:pPr algn="r">
+              <a:lnSpc>
+                <a:spcPts val="1960"/>
+              </a:lnSpc>
+              <a:spcBef>
+                <a:spcPct val="0"/>
+              </a:spcBef>
+            </a:pPr>
+            <a:r>
+              <a:rPr lang="en-US" sz="1400" spc="140" dirty="0">
+                <a:solidFill>
+                  <a:srgbClr val="000000"/>
+                </a:solidFill>
+                <a:latin typeface="HK Grotesk Light"/>
+              </a:rPr>
+              <a:t>2026 - RPS Consulting all rights reserved</a:t>
+            </a:r>
+          </a:p>
+        </p:txBody>
+      </p:sp>
+      <p:graphicFrame>
+        <p:nvGraphicFramePr>
+          <p:cNvPr id="4" name="Table 3">
+            <a:extLst>
+              <a:ext uri="{FF2B5EF4-FFF2-40B4-BE49-F238E27FC236}">
+                <a16:creationId xmlns:a16="http://schemas.microsoft.com/office/drawing/2014/main" id="{682F8685-FD29-03D8-F705-4476DD1BD16A}"/>
+              </a:ext>
+            </a:extLst>
+          </p:cNvPr>
+          <p:cNvGraphicFramePr>
+            <a:graphicFrameLocks noGrp="1"/>
+          </p:cNvGraphicFramePr>
+          <p:nvPr/>
+        </p:nvGraphicFramePr>
+        <p:xfrm>
+          <a:off x="266819" y="250836"/>
+          <a:ext cx="11427312" cy="982980"/>
+        </p:xfrm>
+        <a:graphic>
+          <a:graphicData uri="http://schemas.openxmlformats.org/drawingml/2006/table">
+            <a:tbl>
+              <a:tblPr/>
+              <a:tblGrid>
+                <a:gridCol w="11427312">
+                  <a:extLst>
+                    <a:ext uri="{9D8B030D-6E8A-4147-A177-3AD203B41FA5}">
+                      <a16:colId xmlns:a16="http://schemas.microsoft.com/office/drawing/2014/main" val="1073972921"/>
+                    </a:ext>
+                  </a:extLst>
+                </a:gridCol>
+              </a:tblGrid>
+              <a:tr h="655201">
+                <a:tc>
+                  <a:txBody>
+                    <a:bodyPr/>
+                    <a:lstStyle/>
+                    <a:p>
+                      <a:pPr algn="l" fontAlgn="ctr">
+                        <a:buNone/>
+                      </a:pPr>
+                      <a:r>
+                        <a:rPr lang="en-US" sz="3200" b="1" i="0" u="none" strike="noStrike" dirty="0">
+                          <a:solidFill>
+                            <a:srgbClr val="0187CC"/>
+                          </a:solidFill>
+                          <a:effectLst/>
+                          <a:latin typeface="Times New Roman" panose="02020603050405020304" pitchFamily="18" charset="0"/>
+                          <a:cs typeface="Times New Roman" panose="02020603050405020304" pitchFamily="18" charset="0"/>
+                        </a:rPr>
+                        <a:t>Distributed Content Discovery &amp; Inspection Utility (DCDIU) Implementation</a:t>
+                      </a:r>
+                    </a:p>
+                  </a:txBody>
+                  <a:tcPr marL="7620" marR="7620" marT="7620" marB="0" anchor="ctr">
+                    <a:lnL w="6350" cap="flat" cmpd="sng" algn="ctr">
+                      <a:solidFill>
+                        <a:srgbClr val="000000"/>
+                      </a:solidFill>
+                      <a:prstDash val="solid"/>
+                      <a:round/>
+                      <a:headEnd type="none" w="med" len="med"/>
+                      <a:tailEnd type="none" w="med" len="med"/>
+                    </a:lnL>
+                    <a:lnR w="6350" cap="flat" cmpd="sng" algn="ctr">
+                      <a:solidFill>
+                        <a:srgbClr val="3333CC"/>
+                      </a:solidFill>
+                      <a:prstDash val="solid"/>
+                      <a:round/>
+                      <a:headEnd type="none" w="med" len="med"/>
+                      <a:tailEnd type="none" w="med" len="med"/>
+                    </a:lnR>
+                    <a:lnT w="6350" cap="flat" cmpd="sng" algn="ctr">
+                      <a:solidFill>
+                        <a:srgbClr val="3333CC"/>
+                      </a:solidFill>
+                      <a:prstDash val="solid"/>
+                      <a:round/>
+                      <a:headEnd type="none" w="med" len="med"/>
+                      <a:tailEnd type="none" w="med" len="med"/>
+                    </a:lnT>
+                    <a:lnB w="6350" cap="flat" cmpd="sng" algn="ctr">
+                      <a:solidFill>
+                        <a:srgbClr val="3333CC"/>
+                      </a:solidFill>
+                      <a:prstDash val="solid"/>
+                      <a:round/>
+                      <a:headEnd type="none" w="med" len="med"/>
+                      <a:tailEnd type="none" w="med" len="med"/>
+                    </a:lnB>
+                    <a:solidFill>
+                      <a:srgbClr val="FFFFFF"/>
+                    </a:solidFill>
+                  </a:tcPr>
+                </a:tc>
+                <a:extLst>
+                  <a:ext uri="{0D108BD9-81ED-4DB2-BD59-A6C34878D82A}">
+                    <a16:rowId xmlns:a16="http://schemas.microsoft.com/office/drawing/2014/main" val="1890924814"/>
+                  </a:ext>
+                </a:extLst>
+              </a:tr>
+            </a:tbl>
+          </a:graphicData>
+        </a:graphic>
+      </p:graphicFrame>
+      <p:sp>
+        <p:nvSpPr>
+          <p:cNvPr id="10" name="TextBox 9">
+            <a:extLst>
+              <a:ext uri="{FF2B5EF4-FFF2-40B4-BE49-F238E27FC236}">
+                <a16:creationId xmlns:a16="http://schemas.microsoft.com/office/drawing/2014/main" id="{8B51B0C2-A7A8-6F59-8A47-EC4DDB09D801}"/>
+              </a:ext>
+            </a:extLst>
+          </p:cNvPr>
+          <p:cNvSpPr txBox="1"/>
+          <p:nvPr/>
+        </p:nvSpPr>
+        <p:spPr>
+          <a:xfrm>
+            <a:off x="266819" y="1288087"/>
+            <a:ext cx="4845008" cy="461665"/>
+          </a:xfrm>
+          <a:prstGeom prst="rect">
+            <a:avLst/>
+          </a:prstGeom>
+          <a:noFill/>
+        </p:spPr>
+        <p:txBody>
+          <a:bodyPr wrap="square" rtlCol="0">
+            <a:spAutoFit/>
+          </a:bodyPr>
+          <a:lstStyle/>
+          <a:p>
+            <a:r>
+              <a:rPr lang="en-US" sz="2400" dirty="0">
+                <a:solidFill>
+                  <a:srgbClr val="0087CC"/>
+                </a:solidFill>
+                <a:latin typeface="Times New Roman" panose="02020603050405020304" pitchFamily="18" charset="0"/>
+                <a:cs typeface="Times New Roman" panose="02020603050405020304" pitchFamily="18" charset="0"/>
+              </a:rPr>
+              <a:t>Output: Disconnecting the server</a:t>
+            </a:r>
+            <a:endParaRPr lang="en-IN" sz="2400" dirty="0">
+              <a:solidFill>
+                <a:srgbClr val="0087CC"/>
+              </a:solidFill>
+              <a:latin typeface="Times New Roman" panose="02020603050405020304" pitchFamily="18" charset="0"/>
+              <a:cs typeface="Times New Roman" panose="02020603050405020304" pitchFamily="18" charset="0"/>
+            </a:endParaRPr>
+          </a:p>
+        </p:txBody>
+      </p:sp>
+      <p:pic>
+        <p:nvPicPr>
+          <p:cNvPr id="5" name="Picture 4">
+            <a:extLst>
+              <a:ext uri="{FF2B5EF4-FFF2-40B4-BE49-F238E27FC236}">
+                <a16:creationId xmlns:a16="http://schemas.microsoft.com/office/drawing/2014/main" id="{B9C284E7-B71F-4106-E9FA-5CB564231807}"/>
+              </a:ext>
+            </a:extLst>
+          </p:cNvPr>
+          <p:cNvPicPr>
+            <a:picLocks noChangeAspect="1"/>
+          </p:cNvPicPr>
+          <p:nvPr/>
+        </p:nvPicPr>
+        <p:blipFill>
+          <a:blip r:embed="rId3">
+            <a:extLst>
+              <a:ext uri="{28A0092B-C50C-407E-A947-70E740481C1C}">
+                <a14:useLocalDpi xmlns:a14="http://schemas.microsoft.com/office/drawing/2010/main" val="0"/>
+              </a:ext>
+            </a:extLst>
+          </a:blip>
+          <a:stretch>
+            <a:fillRect/>
+          </a:stretch>
+        </p:blipFill>
+        <p:spPr>
+          <a:xfrm>
+            <a:off x="1075785" y="1804023"/>
+            <a:ext cx="9809379" cy="4534601"/>
+          </a:xfrm>
+          <a:prstGeom prst="rect">
+            <a:avLst/>
+          </a:prstGeom>
+        </p:spPr>
+      </p:pic>
+    </p:spTree>
+    <p:extLst>
+      <p:ext uri="{BB962C8B-B14F-4D97-AF65-F5344CB8AC3E}">
+        <p14:creationId xmlns:p14="http://schemas.microsoft.com/office/powerpoint/2010/main" val="2303381298"/>
+      </p:ext>
+    </p:extLst>
+  </p:cSld>
+  <p:clrMapOvr>
+    <a:masterClrMapping/>
+  </p:clrMapOvr>
+</p:sld>
+</file>
+
+<file path=ppt/slides/slide27.xml><?xml version="1.0" encoding="utf-8"?>
 <p:sld xmlns:a="http://schemas.openxmlformats.org/drawingml/2006/main" xmlns:r="http://schemas.openxmlformats.org/officeDocument/2006/relationships" xmlns:p="http://schemas.openxmlformats.org/presentationml/2006/main">
   <p:cSld>
     <p:spTree>
@@ -15592,14 +15898,14 @@
           <p:nvPr>
             <p:extLst>
               <p:ext uri="{D42A27DB-BD31-4B8C-83A1-F6EECF244321}">
-                <p14:modId xmlns:p14="http://schemas.microsoft.com/office/powerpoint/2010/main" val="3003608148"/>
+                <p14:modId xmlns:p14="http://schemas.microsoft.com/office/powerpoint/2010/main" val="2868199606"/>
               </p:ext>
             </p:extLst>
           </p:nvPr>
         </p:nvGraphicFramePr>
         <p:xfrm>
           <a:off x="266819" y="1425677"/>
-          <a:ext cx="11427312" cy="4745774"/>
+          <a:ext cx="11427312" cy="4811780"/>
         </p:xfrm>
         <a:graphic>
           <a:graphicData uri="http://schemas.openxmlformats.org/drawingml/2006/table">
@@ -15752,7 +16058,7 @@
                   </a:ext>
                 </a:extLst>
               </a:tr>
-              <a:tr h="311778">
+              <a:tr h="377784">
                 <a:tc>
                   <a:txBody>
                     <a:bodyPr/>
@@ -15901,7 +16207,7 @@
                         <a:buNone/>
                       </a:pPr>
                       <a:r>
-                        <a:rPr lang="en-US" sz="1600" b="0" i="0" u="none" strike="noStrike">
+                        <a:rPr lang="en-US" sz="1600" b="0" i="0" u="none" strike="noStrike" dirty="0">
                           <a:solidFill>
                             <a:srgbClr val="0087CC"/>
                           </a:solidFill>
